--- a/01 Classes/Aula 04 RAD Python - Estrutura de Seleção.pptx
+++ b/01 Classes/Aula 04 RAD Python - Estrutura de Seleção.pptx
@@ -6559,27 +6559,7 @@
                 <a:latin typeface="Times New Roman" panose="02020603050405020304" pitchFamily="18" charset="0"/>
                 <a:cs typeface="Times New Roman" panose="02020603050405020304" pitchFamily="18" charset="0"/>
               </a:rPr>
-              <a:t>sexo = </a:t>
-            </a:r>
-            <a:r>
-              <a:rPr lang="it-IT" b="1" dirty="0">
-                <a:solidFill>
-                  <a:schemeClr val="tx1"/>
-                </a:solidFill>
-                <a:latin typeface="Times New Roman" panose="02020603050405020304" pitchFamily="18" charset="0"/>
-                <a:cs typeface="Times New Roman" panose="02020603050405020304" pitchFamily="18" charset="0"/>
-              </a:rPr>
-              <a:t>str</a:t>
-            </a:r>
-            <a:r>
-              <a:rPr lang="it-IT" dirty="0">
-                <a:solidFill>
-                  <a:schemeClr val="tx1"/>
-                </a:solidFill>
-                <a:latin typeface="Times New Roman" panose="02020603050405020304" pitchFamily="18" charset="0"/>
-                <a:cs typeface="Times New Roman" panose="02020603050405020304" pitchFamily="18" charset="0"/>
-              </a:rPr>
-              <a:t>(input("Informe o sexo? "));</a:t>
+              <a:t>sexo = input("Informe o sexo? ");</a:t>
             </a:r>
           </a:p>
           <a:p>
@@ -7569,27 +7549,7 @@
                 <a:latin typeface="Times New Roman" panose="02020603050405020304" pitchFamily="18" charset="0"/>
                 <a:cs typeface="Times New Roman" panose="02020603050405020304" pitchFamily="18" charset="0"/>
               </a:rPr>
-              <a:t>sexo = </a:t>
-            </a:r>
-            <a:r>
-              <a:rPr lang="it-IT" b="1" dirty="0">
-                <a:solidFill>
-                  <a:schemeClr val="tx1"/>
-                </a:solidFill>
-                <a:latin typeface="Times New Roman" panose="02020603050405020304" pitchFamily="18" charset="0"/>
-                <a:cs typeface="Times New Roman" panose="02020603050405020304" pitchFamily="18" charset="0"/>
-              </a:rPr>
-              <a:t>str</a:t>
-            </a:r>
-            <a:r>
-              <a:rPr lang="it-IT" dirty="0">
-                <a:solidFill>
-                  <a:schemeClr val="tx1"/>
-                </a:solidFill>
-                <a:latin typeface="Times New Roman" panose="02020603050405020304" pitchFamily="18" charset="0"/>
-                <a:cs typeface="Times New Roman" panose="02020603050405020304" pitchFamily="18" charset="0"/>
-              </a:rPr>
-              <a:t>(input("Informe o sexo? "));</a:t>
+              <a:t>sexo = input("Informe o sexo? ");</a:t>
             </a:r>
           </a:p>
           <a:p>

--- a/01 Classes/Aula 04 RAD Python - Estrutura de Seleção.pptx
+++ b/01 Classes/Aula 04 RAD Python - Estrutura de Seleção.pptx
@@ -4350,12 +4350,15 @@
                 <a:cs typeface="Times New Roman" panose="02020603050405020304" pitchFamily="18" charset="0"/>
                 <a:hlinkClick r:id="rId3"/>
               </a:rPr>
-              <a:t>https://www.w3schools.com/python/python_variables.asp</a:t>
-            </a:r>
-            <a:endParaRPr lang="pt-BR" dirty="0">
-              <a:latin typeface="Times New Roman" panose="02020603050405020304" pitchFamily="18" charset="0"/>
-              <a:cs typeface="Times New Roman" panose="02020603050405020304" pitchFamily="18" charset="0"/>
-            </a:endParaRPr>
+              <a:t>https://www.w3schools.com/python/python_conditions.asp</a:t>
+            </a:r>
+            <a:r>
+              <a:rPr lang="pt-BR" dirty="0">
+                <a:latin typeface="Times New Roman" panose="02020603050405020304" pitchFamily="18" charset="0"/>
+                <a:cs typeface="Times New Roman" panose="02020603050405020304" pitchFamily="18" charset="0"/>
+              </a:rPr>
+              <a:t> </a:t>
+            </a:r>
           </a:p>
           <a:p>
             <a:pPr marL="0" indent="0" algn="just">
@@ -4556,7 +4559,7 @@
                 <a:latin typeface="Times New Roman" panose="02020603050405020304" pitchFamily="18" charset="0"/>
                 <a:cs typeface="Times New Roman" panose="02020603050405020304" pitchFamily="18" charset="0"/>
               </a:rPr>
-              <a:t>[1] </a:t>
+              <a:t>[1] Condicional: </a:t>
             </a:r>
             <a:r>
               <a:rPr lang="pt-BR" sz="2000" dirty="0">
@@ -4564,12 +4567,15 @@
                 <a:cs typeface="Times New Roman" panose="02020603050405020304" pitchFamily="18" charset="0"/>
                 <a:hlinkClick r:id="rId3"/>
               </a:rPr>
-              <a:t>https://www.programiz.com/python-programming/variables-constants-literals</a:t>
-            </a:r>
-            <a:endParaRPr lang="pt-BR" sz="2000" dirty="0">
-              <a:latin typeface="Times New Roman" panose="02020603050405020304" pitchFamily="18" charset="0"/>
-              <a:cs typeface="Times New Roman" panose="02020603050405020304" pitchFamily="18" charset="0"/>
-            </a:endParaRPr>
+              <a:t>https://youtu.be/hSVY5qTD2iE</a:t>
+            </a:r>
+            <a:r>
+              <a:rPr lang="pt-BR" sz="2000" dirty="0">
+                <a:latin typeface="Times New Roman" panose="02020603050405020304" pitchFamily="18" charset="0"/>
+                <a:cs typeface="Times New Roman" panose="02020603050405020304" pitchFamily="18" charset="0"/>
+              </a:rPr>
+              <a:t> </a:t>
+            </a:r>
           </a:p>
           <a:p>
             <a:pPr marL="0" indent="0" algn="just">
@@ -4598,15 +4604,29 @@
                 <a:latin typeface="Times New Roman" panose="02020603050405020304" pitchFamily="18" charset="0"/>
                 <a:cs typeface="Times New Roman" panose="02020603050405020304" pitchFamily="18" charset="0"/>
               </a:rPr>
-              <a:t>[2] </a:t>
-            </a:r>
-            <a:r>
-              <a:rPr lang="pt-BR" sz="2000" dirty="0">
+              <a:t>[2</a:t>
+            </a:r>
+            <a:r>
+              <a:rPr lang="pt-BR" sz="2000">
+                <a:latin typeface="Times New Roman" panose="02020603050405020304" pitchFamily="18" charset="0"/>
+                <a:cs typeface="Times New Roman" panose="02020603050405020304" pitchFamily="18" charset="0"/>
+              </a:rPr>
+              <a:t>] Condicional: </a:t>
+            </a:r>
+            <a:r>
+              <a:rPr lang="pt-BR" sz="2000">
                 <a:latin typeface="Times New Roman" panose="02020603050405020304" pitchFamily="18" charset="0"/>
                 <a:cs typeface="Times New Roman" panose="02020603050405020304" pitchFamily="18" charset="0"/>
                 <a:hlinkClick r:id="rId4"/>
               </a:rPr>
-              <a:t>https://www.programiz.com/python-programming/examples/swap-variables</a:t>
+              <a:t>https://youtu.be/TUHjuIkIfKc</a:t>
+            </a:r>
+            <a:r>
+              <a:rPr lang="pt-BR" sz="2000">
+                <a:latin typeface="Times New Roman" panose="02020603050405020304" pitchFamily="18" charset="0"/>
+                <a:cs typeface="Times New Roman" panose="02020603050405020304" pitchFamily="18" charset="0"/>
+              </a:rPr>
+              <a:t> </a:t>
             </a:r>
             <a:endParaRPr lang="pt-BR" sz="2000" dirty="0">
               <a:latin typeface="Times New Roman" panose="02020603050405020304" pitchFamily="18" charset="0"/>
@@ -6353,7 +6373,7 @@
                 <a:latin typeface="Times New Roman" panose="02020603050405020304" pitchFamily="18" charset="0"/>
                 <a:cs typeface="Times New Roman" panose="02020603050405020304" pitchFamily="18" charset="0"/>
               </a:rPr>
-              <a:t>	instruções;</a:t>
+              <a:t>	instruções</a:t>
             </a:r>
           </a:p>
           <a:p>
@@ -6559,7 +6579,7 @@
                 <a:latin typeface="Times New Roman" panose="02020603050405020304" pitchFamily="18" charset="0"/>
                 <a:cs typeface="Times New Roman" panose="02020603050405020304" pitchFamily="18" charset="0"/>
               </a:rPr>
-              <a:t>sexo = input("Informe o sexo? ");</a:t>
+              <a:t>sexo = input("Informe o sexo? ")</a:t>
             </a:r>
           </a:p>
           <a:p>
@@ -6599,7 +6619,7 @@
                 <a:latin typeface="Times New Roman" panose="02020603050405020304" pitchFamily="18" charset="0"/>
                 <a:cs typeface="Times New Roman" panose="02020603050405020304" pitchFamily="18" charset="0"/>
               </a:rPr>
-              <a:t>    print("masculino");</a:t>
+              <a:t>    print("masculino")</a:t>
             </a:r>
           </a:p>
           <a:p>
@@ -6651,7 +6671,7 @@
                 <a:latin typeface="Times New Roman" panose="02020603050405020304" pitchFamily="18" charset="0"/>
                 <a:cs typeface="Times New Roman" panose="02020603050405020304" pitchFamily="18" charset="0"/>
               </a:rPr>
-              <a:t>    print("feminino");</a:t>
+              <a:t>    print("feminino")</a:t>
             </a:r>
           </a:p>
           <a:p>
@@ -7309,7 +7329,7 @@
                 <a:latin typeface="Times New Roman" panose="02020603050405020304" pitchFamily="18" charset="0"/>
                 <a:cs typeface="Times New Roman" panose="02020603050405020304" pitchFamily="18" charset="0"/>
               </a:rPr>
-              <a:t>	instruções;</a:t>
+              <a:t>	instruções 1</a:t>
             </a:r>
           </a:p>
           <a:p>
@@ -7359,7 +7379,7 @@
                 <a:latin typeface="Times New Roman" panose="02020603050405020304" pitchFamily="18" charset="0"/>
                 <a:cs typeface="Times New Roman" panose="02020603050405020304" pitchFamily="18" charset="0"/>
               </a:rPr>
-              <a:t> 	instruções;</a:t>
+              <a:t> 	instruções 2</a:t>
             </a:r>
             <a:endParaRPr lang="pt-BR" dirty="0">
               <a:solidFill>
@@ -7549,7 +7569,7 @@
                 <a:latin typeface="Times New Roman" panose="02020603050405020304" pitchFamily="18" charset="0"/>
                 <a:cs typeface="Times New Roman" panose="02020603050405020304" pitchFamily="18" charset="0"/>
               </a:rPr>
-              <a:t>sexo = input("Informe o sexo? ");</a:t>
+              <a:t>sexo = input("Informe o sexo? ")</a:t>
             </a:r>
           </a:p>
           <a:p>
@@ -7589,7 +7609,7 @@
                 <a:latin typeface="Times New Roman" panose="02020603050405020304" pitchFamily="18" charset="0"/>
                 <a:cs typeface="Times New Roman" panose="02020603050405020304" pitchFamily="18" charset="0"/>
               </a:rPr>
-              <a:t>    print("masculino");</a:t>
+              <a:t>    print("masculino")</a:t>
             </a:r>
           </a:p>
           <a:p>
@@ -7626,7 +7646,7 @@
                 <a:latin typeface="Times New Roman" panose="02020603050405020304" pitchFamily="18" charset="0"/>
                 <a:cs typeface="Times New Roman" panose="02020603050405020304" pitchFamily="18" charset="0"/>
               </a:rPr>
-              <a:t>    print("feminino");</a:t>
+              <a:t>    print("feminino")</a:t>
             </a:r>
           </a:p>
           <a:p>
@@ -7807,7 +7827,7 @@
                 <a:latin typeface="Times New Roman" panose="02020603050405020304" pitchFamily="18" charset="0"/>
                 <a:cs typeface="Times New Roman" panose="02020603050405020304" pitchFamily="18" charset="0"/>
               </a:rPr>
-              <a:t>cor = “azul’; // semáforo</a:t>
+              <a:t>cor = ‘azul’// semáforo</a:t>
             </a:r>
           </a:p>
           <a:p>
@@ -7867,7 +7887,7 @@
                 <a:latin typeface="Times New Roman" panose="02020603050405020304" pitchFamily="18" charset="0"/>
                 <a:cs typeface="Times New Roman" panose="02020603050405020304" pitchFamily="18" charset="0"/>
               </a:rPr>
-              <a:t>(“Acelerar”);</a:t>
+              <a:t>(‘Acelerar’)</a:t>
             </a:r>
           </a:p>
           <a:p>
@@ -7927,7 +7947,7 @@
                 <a:latin typeface="Times New Roman" panose="02020603050405020304" pitchFamily="18" charset="0"/>
                 <a:cs typeface="Times New Roman" panose="02020603050405020304" pitchFamily="18" charset="0"/>
               </a:rPr>
-              <a:t>(‘Atenção’);</a:t>
+              <a:t>(‘Atenção’)</a:t>
             </a:r>
           </a:p>
           <a:p>
@@ -7987,7 +8007,7 @@
                 <a:latin typeface="Times New Roman" panose="02020603050405020304" pitchFamily="18" charset="0"/>
                 <a:cs typeface="Times New Roman" panose="02020603050405020304" pitchFamily="18" charset="0"/>
               </a:rPr>
-              <a:t>(‘Parar’);</a:t>
+              <a:t>(‘Parar’)</a:t>
             </a:r>
           </a:p>
         </p:txBody>
